--- a/IntroToScrum/Agile and Scrum for Leadership.pptx
+++ b/IntroToScrum/Agile and Scrum for Leadership.pptx
@@ -134,6 +134,45 @@
     </a:lvl9pPr>
   </p:defaultTextStyle>
   <p:extLst>
+    <p:ext uri="{521415D9-36F7-43E2-AB2F-B90AF26B5E84}">
+      <p14:sectionLst xmlns:p14="http://schemas.microsoft.com/office/powerpoint/2010/main">
+        <p14:section name="Default Section" id="{6C1572E4-8737-43E8-9ADE-47469B92E29F}">
+          <p14:sldIdLst>
+            <p14:sldId id="259"/>
+            <p14:sldId id="275"/>
+            <p14:sldId id="276"/>
+            <p14:sldId id="286"/>
+            <p14:sldId id="287"/>
+            <p14:sldId id="288"/>
+            <p14:sldId id="289"/>
+            <p14:sldId id="290"/>
+            <p14:sldId id="315"/>
+            <p14:sldId id="280"/>
+            <p14:sldId id="282"/>
+            <p14:sldId id="283"/>
+            <p14:sldId id="281"/>
+            <p14:sldId id="293"/>
+            <p14:sldId id="294"/>
+            <p14:sldId id="317"/>
+            <p14:sldId id="318"/>
+            <p14:sldId id="320"/>
+            <p14:sldId id="319"/>
+            <p14:sldId id="297"/>
+            <p14:sldId id="298"/>
+            <p14:sldId id="299"/>
+            <p14:sldId id="300"/>
+            <p14:sldId id="301"/>
+            <p14:sldId id="302"/>
+          </p14:sldIdLst>
+        </p14:section>
+        <p14:section name="The Finale" id="{9923A3A2-8963-4B25-A39D-555C1DDF9A26}">
+          <p14:sldIdLst>
+            <p14:sldId id="309"/>
+            <p14:sldId id="310"/>
+          </p14:sldIdLst>
+        </p14:section>
+      </p14:sectionLst>
+    </p:ext>
     <p:ext uri="{EFAFB233-063F-42B5-8137-9DF3F51BA10A}">
       <p15:sldGuideLst xmlns:p15="http://schemas.microsoft.com/office/powerpoint/2012/main" xmlns=""/>
     </p:ext>
@@ -226,7 +265,7 @@
           <a:p>
             <a:fld id="{D9DF5DCB-D8C4-4DE0-8A04-11127EBD9EEB}" type="datetimeFigureOut">
               <a:rPr lang="en-US" smtClean="0"/>
-              <a:t>6/8/2020</a:t>
+              <a:t>6/9/2020</a:t>
             </a:fld>
             <a:endParaRPr lang="en-US"/>
           </a:p>
@@ -4800,7 +4839,7 @@
           <a:p>
             <a:fld id="{CFA03680-1745-43A6-84AB-F9E62EC72A1D}" type="datetimeFigureOut">
               <a:rPr lang="en-US" smtClean="0"/>
-              <a:t>6/8/2020</a:t>
+              <a:t>6/9/2020</a:t>
             </a:fld>
             <a:endParaRPr lang="en-US"/>
           </a:p>
@@ -4988,7 +5027,7 @@
           <a:p>
             <a:fld id="{CFA03680-1745-43A6-84AB-F9E62EC72A1D}" type="datetimeFigureOut">
               <a:rPr lang="en-US" smtClean="0"/>
-              <a:t>6/8/2020</a:t>
+              <a:t>6/9/2020</a:t>
             </a:fld>
             <a:endParaRPr lang="en-US"/>
           </a:p>
@@ -5175,35 +5214,6 @@
           </a:p>
         </p:txBody>
       </p:sp>
-      <p:pic>
-        <p:nvPicPr>
-          <p:cNvPr id="7" name="image2.png" descr="Untitled-7.png"/>
-          <p:cNvPicPr>
-            <a:picLocks noChangeAspect="1"/>
-          </p:cNvPicPr>
-          <p:nvPr userDrawn="1"/>
-        </p:nvPicPr>
-        <p:blipFill>
-          <a:blip r:embed="rId3">
-            <a:extLst/>
-          </a:blip>
-          <a:stretch>
-            <a:fillRect/>
-          </a:stretch>
-        </p:blipFill>
-        <p:spPr>
-          <a:xfrm>
-            <a:off x="400153" y="6153896"/>
-            <a:ext cx="912676" cy="435773"/>
-          </a:xfrm>
-          <a:prstGeom prst="rect">
-            <a:avLst/>
-          </a:prstGeom>
-          <a:ln w="12700">
-            <a:miter lim="400000"/>
-          </a:ln>
-        </p:spPr>
-      </p:pic>
     </p:spTree>
     <p:extLst>
       <p:ext uri="{BB962C8B-B14F-4D97-AF65-F5344CB8AC3E}">
@@ -5334,7 +5344,7 @@
           <a:p>
             <a:fld id="{CFA03680-1745-43A6-84AB-F9E62EC72A1D}" type="datetimeFigureOut">
               <a:rPr lang="en-US" smtClean="0"/>
-              <a:t>6/8/2020</a:t>
+              <a:t>6/9/2020</a:t>
             </a:fld>
             <a:endParaRPr lang="en-US"/>
           </a:p>
@@ -5593,7 +5603,7 @@
           <a:p>
             <a:fld id="{CFA03680-1745-43A6-84AB-F9E62EC72A1D}" type="datetimeFigureOut">
               <a:rPr lang="en-US" smtClean="0"/>
-              <a:t>6/8/2020</a:t>
+              <a:t>6/9/2020</a:t>
             </a:fld>
             <a:endParaRPr lang="en-US"/>
           </a:p>
@@ -5833,7 +5843,7 @@
           <a:p>
             <a:fld id="{CFA03680-1745-43A6-84AB-F9E62EC72A1D}" type="datetimeFigureOut">
               <a:rPr lang="en-US" smtClean="0"/>
-              <a:t>6/8/2020</a:t>
+              <a:t>6/9/2020</a:t>
             </a:fld>
             <a:endParaRPr lang="en-US"/>
           </a:p>
@@ -6208,7 +6218,7 @@
           <a:p>
             <a:fld id="{CFA03680-1745-43A6-84AB-F9E62EC72A1D}" type="datetimeFigureOut">
               <a:rPr lang="en-US" smtClean="0"/>
-              <a:t>6/8/2020</a:t>
+              <a:t>6/9/2020</a:t>
             </a:fld>
             <a:endParaRPr lang="en-US"/>
           </a:p>
@@ -6334,7 +6344,7 @@
           <a:p>
             <a:fld id="{CFA03680-1745-43A6-84AB-F9E62EC72A1D}" type="datetimeFigureOut">
               <a:rPr lang="en-US" smtClean="0"/>
-              <a:t>6/8/2020</a:t>
+              <a:t>6/9/2020</a:t>
             </a:fld>
             <a:endParaRPr lang="en-US"/>
           </a:p>
@@ -6437,7 +6447,7 @@
           <a:p>
             <a:fld id="{CFA03680-1745-43A6-84AB-F9E62EC72A1D}" type="datetimeFigureOut">
               <a:rPr lang="en-US" smtClean="0"/>
-              <a:t>6/8/2020</a:t>
+              <a:t>6/9/2020</a:t>
             </a:fld>
             <a:endParaRPr lang="en-US"/>
           </a:p>
@@ -6695,7 +6705,7 @@
           <a:p>
             <a:fld id="{CFA03680-1745-43A6-84AB-F9E62EC72A1D}" type="datetimeFigureOut">
               <a:rPr lang="en-US" smtClean="0"/>
-              <a:t>6/8/2020</a:t>
+              <a:t>6/9/2020</a:t>
             </a:fld>
             <a:endParaRPr lang="en-US"/>
           </a:p>
@@ -6929,7 +6939,7 @@
           <a:p>
             <a:fld id="{CFA03680-1745-43A6-84AB-F9E62EC72A1D}" type="datetimeFigureOut">
               <a:rPr lang="en-US" smtClean="0"/>
-              <a:t>6/8/2020</a:t>
+              <a:t>6/9/2020</a:t>
             </a:fld>
             <a:endParaRPr lang="en-US"/>
           </a:p>
@@ -7150,7 +7160,7 @@
           <a:p>
             <a:fld id="{CFA03680-1745-43A6-84AB-F9E62EC72A1D}" type="datetimeFigureOut">
               <a:rPr lang="en-US" smtClean="0"/>
-              <a:t>6/8/2020</a:t>
+              <a:t>6/9/2020</a:t>
             </a:fld>
             <a:endParaRPr lang="en-US"/>
           </a:p>
@@ -7596,35 +7606,6 @@
           </a:prstGeom>
         </p:spPr>
       </p:pic>
-      <p:pic>
-        <p:nvPicPr>
-          <p:cNvPr id="19" name="image2.png" descr="Untitled-7.png"/>
-          <p:cNvPicPr>
-            <a:picLocks noChangeAspect="1"/>
-          </p:cNvPicPr>
-          <p:nvPr/>
-        </p:nvPicPr>
-        <p:blipFill>
-          <a:blip r:embed="rId6">
-            <a:extLst/>
-          </a:blip>
-          <a:stretch>
-            <a:fillRect/>
-          </a:stretch>
-        </p:blipFill>
-        <p:spPr>
-          <a:xfrm>
-            <a:off x="400153" y="6153896"/>
-            <a:ext cx="912676" cy="435773"/>
-          </a:xfrm>
-          <a:prstGeom prst="rect">
-            <a:avLst/>
-          </a:prstGeom>
-          <a:ln w="12700">
-            <a:miter lim="400000"/>
-          </a:ln>
-        </p:spPr>
-      </p:pic>
       <p:grpSp>
         <p:nvGrpSpPr>
           <p:cNvPr id="15" name="Group 14"/>
@@ -7846,15 +7827,7 @@
                   <a:schemeClr val="accent1"/>
                 </a:solidFill>
               </a:rPr>
-              <a:t>Agile </a:t>
-            </a:r>
-            <a:r>
-              <a:rPr lang="en-US" sz="7200" b="1" dirty="0" smtClean="0">
-                <a:solidFill>
-                  <a:schemeClr val="accent1"/>
-                </a:solidFill>
-              </a:rPr>
-              <a:t> </a:t>
+              <a:t>Agile  </a:t>
             </a:r>
             <a:r>
               <a:rPr lang="en-US" sz="7200" b="1" dirty="0">
